--- a/Python_PPT_v1.pptx
+++ b/Python_PPT_v1.pptx
@@ -27,6 +27,20 @@
   </p:sldIdLst>
   <p:sldSz cx="12192000" cy="6858000"/>
   <p:notesSz cx="6858000" cy="9144000"/>
+  <p:embeddedFontLst>
+    <p:embeddedFont>
+      <p:font typeface="Calibri Light" panose="020F0302020204030204" pitchFamily="34" charset="0"/>
+      <p:regular r:id="rId17"/>
+      <p:italic r:id="rId18"/>
+    </p:embeddedFont>
+    <p:embeddedFont>
+      <p:font typeface="Calibri" panose="020F0502020204030204" pitchFamily="34" charset="0"/>
+      <p:regular r:id="rId19"/>
+      <p:bold r:id="rId20"/>
+      <p:italic r:id="rId21"/>
+      <p:boldItalic r:id="rId22"/>
+    </p:embeddedFont>
+  </p:embeddedFontLst>
   <p:defaultTextStyle>
     <a:defPPr>
       <a:defRPr lang="en-US"/>
@@ -269,7 +283,7 @@
           <a:p>
             <a:fld id="{32222FCC-ABDC-47FD-946C-BBACF63157C8}" type="datetimeFigureOut">
               <a:rPr lang="es-AR" smtClean="0"/>
-              <a:t>5/9/2025</a:t>
+              <a:t>8/9/2025</a:t>
             </a:fld>
             <a:endParaRPr lang="es-AR"/>
           </a:p>
@@ -347,7 +361,7 @@
           <a:p>
             <a:fld id="{1AB4CB1C-E237-4122-B0B8-C4F4BCA31F5A}" type="slidenum">
               <a:rPr lang="es-AR" smtClean="0"/>
-              <a:t>‹#›</a:t>
+              <a:t>‹Nº›</a:t>
             </a:fld>
             <a:endParaRPr lang="es-AR"/>
           </a:p>
@@ -447,7 +461,7 @@
           <a:p>
             <a:fld id="{2C0DA241-3D60-2A4C-A70D-667446F1267D}" type="datetimeFigureOut">
               <a:rPr lang="en-US" smtClean="0"/>
-              <a:t>9/5/2025</a:t>
+              <a:t>9/8/2025</a:t>
             </a:fld>
             <a:endParaRPr lang="en-US"/>
           </a:p>
@@ -605,7 +619,7 @@
           <a:p>
             <a:fld id="{70FFA328-5F5B-3741-8CC1-D47275691D18}" type="slidenum">
               <a:rPr lang="en-US" smtClean="0"/>
-              <a:t>‹#›</a:t>
+              <a:t>‹Nº›</a:t>
             </a:fld>
             <a:endParaRPr lang="en-US"/>
           </a:p>
@@ -2380,7 +2394,7 @@
           <a:p>
             <a:fld id="{C764DE79-268F-4C1A-8933-263129D2AF90}" type="datetimeFigureOut">
               <a:rPr lang="en-US" dirty="0"/>
-              <a:t>9/5/2025</a:t>
+              <a:t>9/8/2025</a:t>
             </a:fld>
             <a:endParaRPr lang="en-US" dirty="0"/>
           </a:p>
@@ -2423,7 +2437,7 @@
             <a:fld id="{5B64C28E-966E-6B4A-816A-311B7D0A2E6D}" type="slidenum">
               <a:rPr lang="en-US" smtClean="0"/>
               <a:pPr/>
-              <a:t>‹#›</a:t>
+              <a:t>‹Nº›</a:t>
             </a:fld>
             <a:endParaRPr lang="en-US"/>
           </a:p>
@@ -2552,7 +2566,7 @@
           <a:p>
             <a:fld id="{C764DE79-268F-4C1A-8933-263129D2AF90}" type="datetimeFigureOut">
               <a:rPr lang="en-US" dirty="0"/>
-              <a:t>9/5/2025</a:t>
+              <a:t>9/8/2025</a:t>
             </a:fld>
             <a:endParaRPr lang="en-US" dirty="0"/>
           </a:p>
@@ -2595,7 +2609,7 @@
             <a:fld id="{5B64C28E-966E-6B4A-816A-311B7D0A2E6D}" type="slidenum">
               <a:rPr lang="en-US" smtClean="0"/>
               <a:pPr/>
-              <a:t>‹#›</a:t>
+              <a:t>‹Nº›</a:t>
             </a:fld>
             <a:endParaRPr lang="en-US"/>
           </a:p>
@@ -2734,7 +2748,7 @@
           <a:p>
             <a:fld id="{C764DE79-268F-4C1A-8933-263129D2AF90}" type="datetimeFigureOut">
               <a:rPr lang="en-US" dirty="0"/>
-              <a:t>9/5/2025</a:t>
+              <a:t>9/8/2025</a:t>
             </a:fld>
             <a:endParaRPr lang="en-US" dirty="0"/>
           </a:p>
@@ -2777,7 +2791,7 @@
             <a:fld id="{5B64C28E-966E-6B4A-816A-311B7D0A2E6D}" type="slidenum">
               <a:rPr lang="en-US" smtClean="0"/>
               <a:pPr/>
-              <a:t>‹#›</a:t>
+              <a:t>‹Nº›</a:t>
             </a:fld>
             <a:endParaRPr lang="en-US"/>
           </a:p>
@@ -2906,7 +2920,7 @@
           <a:p>
             <a:fld id="{C764DE79-268F-4C1A-8933-263129D2AF90}" type="datetimeFigureOut">
               <a:rPr lang="en-US" dirty="0"/>
-              <a:t>9/5/2025</a:t>
+              <a:t>9/8/2025</a:t>
             </a:fld>
             <a:endParaRPr lang="en-US" dirty="0"/>
           </a:p>
@@ -3159,7 +3173,7 @@
           <a:p>
             <a:fld id="{C764DE79-268F-4C1A-8933-263129D2AF90}" type="datetimeFigureOut">
               <a:rPr lang="en-US" dirty="0"/>
-              <a:t>9/5/2025</a:t>
+              <a:t>9/8/2025</a:t>
             </a:fld>
             <a:endParaRPr lang="en-US" dirty="0"/>
           </a:p>
@@ -3202,7 +3216,7 @@
             <a:fld id="{5B64C28E-966E-6B4A-816A-311B7D0A2E6D}" type="slidenum">
               <a:rPr lang="en-US" smtClean="0"/>
               <a:pPr/>
-              <a:t>‹#›</a:t>
+              <a:t>‹Nº›</a:t>
             </a:fld>
             <a:endParaRPr lang="en-US"/>
           </a:p>
@@ -3393,7 +3407,7 @@
           <a:p>
             <a:fld id="{C764DE79-268F-4C1A-8933-263129D2AF90}" type="datetimeFigureOut">
               <a:rPr lang="en-US" dirty="0"/>
-              <a:t>9/5/2025</a:t>
+              <a:t>9/8/2025</a:t>
             </a:fld>
             <a:endParaRPr lang="en-US" dirty="0"/>
           </a:p>
@@ -3436,7 +3450,7 @@
             <a:fld id="{5B64C28E-966E-6B4A-816A-311B7D0A2E6D}" type="slidenum">
               <a:rPr lang="en-US" smtClean="0"/>
               <a:pPr/>
-              <a:t>‹#›</a:t>
+              <a:t>‹Nº›</a:t>
             </a:fld>
             <a:endParaRPr lang="en-US"/>
           </a:p>
@@ -3762,7 +3776,7 @@
           <a:p>
             <a:fld id="{C764DE79-268F-4C1A-8933-263129D2AF90}" type="datetimeFigureOut">
               <a:rPr lang="en-US" dirty="0"/>
-              <a:t>9/5/2025</a:t>
+              <a:t>9/8/2025</a:t>
             </a:fld>
             <a:endParaRPr lang="en-US" dirty="0"/>
           </a:p>
@@ -3805,7 +3819,7 @@
             <a:fld id="{5B64C28E-966E-6B4A-816A-311B7D0A2E6D}" type="slidenum">
               <a:rPr lang="en-US" smtClean="0"/>
               <a:pPr/>
-              <a:t>‹#›</a:t>
+              <a:t>‹Nº›</a:t>
             </a:fld>
             <a:endParaRPr lang="en-US"/>
           </a:p>
@@ -3882,7 +3896,7 @@
           <a:p>
             <a:fld id="{C764DE79-268F-4C1A-8933-263129D2AF90}" type="datetimeFigureOut">
               <a:rPr lang="en-US" dirty="0"/>
-              <a:t>9/5/2025</a:t>
+              <a:t>9/8/2025</a:t>
             </a:fld>
             <a:endParaRPr lang="en-US" dirty="0"/>
           </a:p>
@@ -3925,7 +3939,7 @@
             <a:fld id="{5B64C28E-966E-6B4A-816A-311B7D0A2E6D}" type="slidenum">
               <a:rPr lang="en-US" smtClean="0"/>
               <a:pPr/>
-              <a:t>‹#›</a:t>
+              <a:t>‹Nº›</a:t>
             </a:fld>
             <a:endParaRPr lang="en-US"/>
           </a:p>
@@ -3979,7 +3993,7 @@
           <a:p>
             <a:fld id="{C764DE79-268F-4C1A-8933-263129D2AF90}" type="datetimeFigureOut">
               <a:rPr lang="en-US" dirty="0"/>
-              <a:t>9/5/2025</a:t>
+              <a:t>9/8/2025</a:t>
             </a:fld>
             <a:endParaRPr lang="en-US" dirty="0"/>
           </a:p>
@@ -4022,7 +4036,7 @@
             <a:fld id="{5B64C28E-966E-6B4A-816A-311B7D0A2E6D}" type="slidenum">
               <a:rPr lang="en-US" smtClean="0"/>
               <a:pPr/>
-              <a:t>‹#›</a:t>
+              <a:t>‹Nº›</a:t>
             </a:fld>
             <a:endParaRPr lang="en-US"/>
           </a:p>
@@ -4258,7 +4272,7 @@
           <a:p>
             <a:fld id="{C764DE79-268F-4C1A-8933-263129D2AF90}" type="datetimeFigureOut">
               <a:rPr lang="en-US" dirty="0"/>
-              <a:t>9/5/2025</a:t>
+              <a:t>9/8/2025</a:t>
             </a:fld>
             <a:endParaRPr lang="en-US" dirty="0"/>
           </a:p>
@@ -4301,7 +4315,7 @@
             <a:fld id="{5B64C28E-966E-6B4A-816A-311B7D0A2E6D}" type="slidenum">
               <a:rPr lang="en-US" smtClean="0"/>
               <a:pPr/>
-              <a:t>‹#›</a:t>
+              <a:t>‹Nº›</a:t>
             </a:fld>
             <a:endParaRPr lang="en-US"/>
           </a:p>
@@ -4517,7 +4531,7 @@
           <a:p>
             <a:fld id="{C764DE79-268F-4C1A-8933-263129D2AF90}" type="datetimeFigureOut">
               <a:rPr lang="en-US" dirty="0"/>
-              <a:t>9/5/2025</a:t>
+              <a:t>9/8/2025</a:t>
             </a:fld>
             <a:endParaRPr lang="en-US" dirty="0"/>
           </a:p>
@@ -4560,7 +4574,7 @@
             <a:fld id="{5B64C28E-966E-6B4A-816A-311B7D0A2E6D}" type="slidenum">
               <a:rPr lang="en-US" smtClean="0"/>
               <a:pPr/>
-              <a:t>‹#›</a:t>
+              <a:t>‹Nº›</a:t>
             </a:fld>
             <a:endParaRPr lang="en-US"/>
           </a:p>
@@ -4732,7 +4746,7 @@
           <a:p>
             <a:fld id="{C764DE79-268F-4C1A-8933-263129D2AF90}" type="datetimeFigureOut">
               <a:rPr lang="en-US" dirty="0"/>
-              <a:t>9/5/2025</a:t>
+              <a:t>9/8/2025</a:t>
             </a:fld>
             <a:endParaRPr lang="en-US" dirty="0"/>
           </a:p>
@@ -4811,7 +4825,7 @@
             <a:fld id="{5B64C28E-966E-6B4A-816A-311B7D0A2E6D}" type="slidenum">
               <a:rPr lang="en-US" smtClean="0"/>
               <a:pPr/>
-              <a:t>‹#›</a:t>
+              <a:t>‹Nº›</a:t>
             </a:fld>
             <a:endParaRPr lang="en-US"/>
           </a:p>
@@ -5324,8 +5338,16 @@
           <a:p>
             <a:pPr algn="ctr"/>
             <a:r>
+              <a:rPr lang="es-ES" b="1" dirty="0" smtClean="0"/>
+              <a:t>Es un lenguaje de alto nivel</a:t>
+            </a:r>
+            <a:r>
+              <a:rPr lang="es-ES" b="1" smtClean="0"/>
+              <a:t>: estos emplean </a:t>
+            </a:r>
+            <a:r>
               <a:rPr lang="es-ES" b="1" dirty="0"/>
-              <a:t>Los lenguajes de alto nivel emplean una sintaxis más cercana a la lógica humana, lo que hace que el lenguaje sea más fácil de aprender e implementar.</a:t>
+              <a:t>una sintaxis más cercana a la lógica humana, lo que hace que el lenguaje sea más fácil de aprender e implementar.</a:t>
             </a:r>
             <a:endParaRPr lang="es-AR" b="1" dirty="0"/>
           </a:p>
@@ -5374,8 +5396,20 @@
           <a:p>
             <a:pPr algn="ctr"/>
             <a:r>
+              <a:rPr lang="es-ES" b="1" dirty="0" smtClean="0"/>
+              <a:t>Es </a:t>
+            </a:r>
+            <a:r>
               <a:rPr lang="es-ES" b="1" dirty="0"/>
-              <a:t>Cuando decimos que es de propósito general nos referimos a que se puede aplicar en una amplia variedad de campos, como programación web, análisis de datos financieros, análisis de grandes volúmenes de datos y más.</a:t>
+              <a:t>de propósito general </a:t>
+            </a:r>
+            <a:r>
+              <a:rPr lang="es-ES" b="1" dirty="0" smtClean="0"/>
+              <a:t>: se </a:t>
+            </a:r>
+            <a:r>
+              <a:rPr lang="es-ES" b="1" dirty="0"/>
+              <a:t>puede aplicar en una amplia variedad de campos, como programación web, análisis de datos financieros, análisis de grandes volúmenes de datos y más.</a:t>
             </a:r>
             <a:endParaRPr lang="es-AR" b="1" dirty="0"/>
           </a:p>
@@ -5424,8 +5458,20 @@
           <a:p>
             <a:pPr algn="ctr"/>
             <a:r>
+              <a:rPr lang="es-ES" b="1" dirty="0" smtClean="0"/>
+              <a:t>Es de </a:t>
+            </a:r>
+            <a:r>
+              <a:rPr lang="es-ES" b="1" dirty="0" err="1" smtClean="0"/>
+              <a:t>Codigo</a:t>
+            </a:r>
+            <a:r>
+              <a:rPr lang="es-ES" b="1" dirty="0" smtClean="0"/>
+              <a:t> Abierto: significa </a:t>
+            </a:r>
+            <a:r>
               <a:rPr lang="es-ES" b="1" dirty="0"/>
-              <a:t>Código abierto significa que es gratuito. Python cuenta con una gran y activa comunidad científica que tiene acceso al código fuente del software y contribuye a su desarrollo y mejora continua</a:t>
+              <a:t>que es gratuito. Python cuenta con una gran y activa comunidad científica que tiene acceso al código fuente del software y contribuye a su desarrollo y mejora continua</a:t>
             </a:r>
             <a:endParaRPr lang="es-AR" b="1" dirty="0"/>
           </a:p>
@@ -5488,6 +5534,13 @@
   <p:clrMapOvr>
     <a:masterClrMapping/>
   </p:clrMapOvr>
+  <p:timing>
+    <p:tnLst>
+      <p:par>
+        <p:cTn id="1" dur="indefinite" restart="never" nodeType="tmRoot"/>
+      </p:par>
+    </p:tnLst>
+  </p:timing>
 </p:sld>
 </file>
 
@@ -8155,6 +8208,13 @@
   <p:clrMapOvr>
     <a:masterClrMapping/>
   </p:clrMapOvr>
+  <p:timing>
+    <p:tnLst>
+      <p:par>
+        <p:cTn id="1" dur="indefinite" restart="never" nodeType="tmRoot"/>
+      </p:par>
+    </p:tnLst>
+  </p:timing>
 </p:sld>
 </file>
 
@@ -8485,6 +8545,13 @@
   <p:clrMapOvr>
     <a:masterClrMapping/>
   </p:clrMapOvr>
+  <p:timing>
+    <p:tnLst>
+      <p:par>
+        <p:cTn id="1" dur="indefinite" restart="never" nodeType="tmRoot"/>
+      </p:par>
+    </p:tnLst>
+  </p:timing>
 </p:sld>
 </file>
 
